--- a/웹 프로그래밍.pptx
+++ b/웹 프로그래밍.pptx
@@ -6,14 +6,10 @@
   </p:sldMasterIdLst>
   <p:sldIdLst>
     <p:sldId id="256" r:id="rId2"/>
-    <p:sldId id="257" r:id="rId3"/>
-    <p:sldId id="258" r:id="rId4"/>
-    <p:sldId id="259" r:id="rId5"/>
-    <p:sldId id="260" r:id="rId6"/>
-    <p:sldId id="261" r:id="rId7"/>
-    <p:sldId id="262" r:id="rId8"/>
-    <p:sldId id="263" r:id="rId9"/>
-    <p:sldId id="264" r:id="rId10"/>
+    <p:sldId id="258" r:id="rId3"/>
+    <p:sldId id="259" r:id="rId4"/>
+    <p:sldId id="260" r:id="rId5"/>
+    <p:sldId id="264" r:id="rId6"/>
   </p:sldIdLst>
   <p:sldSz cx="12192000" cy="6858000"/>
   <p:notesSz cx="6858000" cy="9144000"/>
@@ -112,6 +108,11 @@
       </a:defRPr>
     </a:lvl9pPr>
   </p:defaultTextStyle>
+  <p:extLst>
+    <p:ext uri="{EFAFB233-063F-42B5-8137-9DF3F51BA10A}">
+      <p15:sldGuideLst xmlns:p15="http://schemas.microsoft.com/office/powerpoint/2012/main"/>
+    </p:ext>
+  </p:extLst>
 </p:presentation>
 </file>
 
@@ -3465,7 +3466,7 @@
           <p:cNvPr id="2" name="제목 1">
             <a:extLst>
               <a:ext uri="{FF2B5EF4-FFF2-40B4-BE49-F238E27FC236}">
-                <a16:creationId xmlns:a16="http://schemas.microsoft.com/office/drawing/2014/main" id="{23C5B76B-F08A-A1A5-76D6-26AAE3DA1357}"/>
+                <a16:creationId xmlns:a16="http://schemas.microsoft.com/office/drawing/2014/main" id="{0B14EE15-AE0C-CBC7-B1A7-9612144273A5}"/>
               </a:ext>
             </a:extLst>
           </p:cNvPr>
@@ -3482,87 +3483,107 @@
           <a:lstStyle/>
           <a:p>
             <a:r>
-              <a:rPr lang="ko-KR" altLang="en-US" dirty="0"/>
-              <a:t>웹 프로그래밍이란</a:t>
-            </a:r>
-            <a:r>
               <a:rPr lang="en-US" altLang="ko-KR" dirty="0"/>
-              <a:t>?	</a:t>
+              <a:t>0921,1007,1015</a:t>
             </a:r>
             <a:endParaRPr lang="ko-KR" altLang="en-US" dirty="0"/>
           </a:p>
         </p:txBody>
       </p:sp>
-      <p:sp>
-        <p:nvSpPr>
-          <p:cNvPr id="3" name="내용 개체 틀 2">
-            <a:extLst>
-              <a:ext uri="{FF2B5EF4-FFF2-40B4-BE49-F238E27FC236}">
-                <a16:creationId xmlns:a16="http://schemas.microsoft.com/office/drawing/2014/main" id="{4A094C95-AE72-5D5D-9111-A9980EAB8C95}"/>
-              </a:ext>
-            </a:extLst>
-          </p:cNvPr>
-          <p:cNvSpPr>
-            <a:spLocks noGrp="1"/>
-          </p:cNvSpPr>
-          <p:nvPr>
-            <p:ph idx="1"/>
-          </p:nvPr>
-        </p:nvSpPr>
-        <p:spPr/>
-        <p:txBody>
-          <a:bodyPr/>
-          <a:lstStyle/>
-          <a:p>
-            <a:r>
-              <a:rPr lang="ko-KR" altLang="en-US" dirty="0"/>
-              <a:t>웹 프로그래밍이란 웹</a:t>
-            </a:r>
-            <a:r>
-              <a:rPr lang="en-US" altLang="ko-KR" dirty="0"/>
-              <a:t>(Web)</a:t>
-            </a:r>
-            <a:r>
-              <a:rPr lang="ko-KR" altLang="en-US" dirty="0"/>
-              <a:t>을 컴퓨터와 프로그래밍 언어를 사용하여 사람이 원하는 작업을 컴퓨터가 할 수 있도록 하는 것 입니다</a:t>
-            </a:r>
-            <a:r>
-              <a:rPr lang="en-US" altLang="ko-KR" dirty="0"/>
-              <a:t>. </a:t>
-            </a:r>
-          </a:p>
-          <a:p>
-            <a:r>
-              <a:rPr lang="ko-KR" altLang="en-US" dirty="0"/>
-              <a:t>웹 프로그래밍을 배우면서 </a:t>
-            </a:r>
-            <a:r>
-              <a:rPr lang="en-US" altLang="ko-KR" dirty="0"/>
-              <a:t>HTML</a:t>
-            </a:r>
-            <a:r>
-              <a:rPr lang="ko-KR" altLang="en-US" dirty="0"/>
-              <a:t>을 가장 많이 썼으며</a:t>
-            </a:r>
-            <a:r>
-              <a:rPr lang="en-US" altLang="ko-KR" dirty="0"/>
-              <a:t>, CSS, JavaScript</a:t>
-            </a:r>
-            <a:r>
-              <a:rPr lang="ko-KR" altLang="en-US" dirty="0"/>
-              <a:t>를 사용하면서 다양한 작업을 했었습니다</a:t>
-            </a:r>
-            <a:r>
-              <a:rPr lang="en-US" altLang="ko-KR" dirty="0"/>
-              <a:t>.</a:t>
-            </a:r>
-          </a:p>
-        </p:txBody>
-      </p:sp>
+      <p:pic>
+        <p:nvPicPr>
+          <p:cNvPr id="7" name="그림 6">
+            <a:extLst>
+              <a:ext uri="{FF2B5EF4-FFF2-40B4-BE49-F238E27FC236}">
+                <a16:creationId xmlns:a16="http://schemas.microsoft.com/office/drawing/2014/main" id="{1A8BF086-4835-F2C0-0261-4D903EBF67DF}"/>
+              </a:ext>
+            </a:extLst>
+          </p:cNvPr>
+          <p:cNvPicPr>
+            <a:picLocks noChangeAspect="1"/>
+          </p:cNvPicPr>
+          <p:nvPr/>
+        </p:nvPicPr>
+        <p:blipFill>
+          <a:blip r:embed="rId2"/>
+          <a:stretch>
+            <a:fillRect/>
+          </a:stretch>
+        </p:blipFill>
+        <p:spPr>
+          <a:xfrm>
+            <a:off x="632984" y="1731586"/>
+            <a:ext cx="3805452" cy="4328129"/>
+          </a:xfrm>
+          <a:prstGeom prst="rect">
+            <a:avLst/>
+          </a:prstGeom>
+        </p:spPr>
+      </p:pic>
+      <p:pic>
+        <p:nvPicPr>
+          <p:cNvPr id="9" name="그림 8">
+            <a:extLst>
+              <a:ext uri="{FF2B5EF4-FFF2-40B4-BE49-F238E27FC236}">
+                <a16:creationId xmlns:a16="http://schemas.microsoft.com/office/drawing/2014/main" id="{083416C5-B074-20E3-8AEF-61865417CEC9}"/>
+              </a:ext>
+            </a:extLst>
+          </p:cNvPr>
+          <p:cNvPicPr>
+            <a:picLocks noChangeAspect="1"/>
+          </p:cNvPicPr>
+          <p:nvPr/>
+        </p:nvPicPr>
+        <p:blipFill>
+          <a:blip r:embed="rId3"/>
+          <a:stretch>
+            <a:fillRect/>
+          </a:stretch>
+        </p:blipFill>
+        <p:spPr>
+          <a:xfrm>
+            <a:off x="4655049" y="1731586"/>
+            <a:ext cx="3236360" cy="4575542"/>
+          </a:xfrm>
+          <a:prstGeom prst="rect">
+            <a:avLst/>
+          </a:prstGeom>
+        </p:spPr>
+      </p:pic>
+      <p:pic>
+        <p:nvPicPr>
+          <p:cNvPr id="11" name="그림 10">
+            <a:extLst>
+              <a:ext uri="{FF2B5EF4-FFF2-40B4-BE49-F238E27FC236}">
+                <a16:creationId xmlns:a16="http://schemas.microsoft.com/office/drawing/2014/main" id="{4A5D2A0C-DE16-50AB-88E7-B618A3EC5E53}"/>
+              </a:ext>
+            </a:extLst>
+          </p:cNvPr>
+          <p:cNvPicPr>
+            <a:picLocks noChangeAspect="1"/>
+          </p:cNvPicPr>
+          <p:nvPr/>
+        </p:nvPicPr>
+        <p:blipFill>
+          <a:blip r:embed="rId4"/>
+          <a:stretch>
+            <a:fillRect/>
+          </a:stretch>
+        </p:blipFill>
+        <p:spPr>
+          <a:xfrm>
+            <a:off x="7891409" y="1690687"/>
+            <a:ext cx="2927279" cy="4941669"/>
+          </a:xfrm>
+          <a:prstGeom prst="rect">
+            <a:avLst/>
+          </a:prstGeom>
+        </p:spPr>
+      </p:pic>
     </p:spTree>
     <p:extLst>
       <p:ext uri="{BB962C8B-B14F-4D97-AF65-F5344CB8AC3E}">
-        <p14:creationId xmlns:p14="http://schemas.microsoft.com/office/powerpoint/2010/main" val="2795588854"/>
+        <p14:creationId xmlns:p14="http://schemas.microsoft.com/office/powerpoint/2010/main" val="3567061538"/>
       </p:ext>
     </p:extLst>
   </p:cSld>
@@ -3594,7 +3615,7 @@
           <p:cNvPr id="2" name="제목 1">
             <a:extLst>
               <a:ext uri="{FF2B5EF4-FFF2-40B4-BE49-F238E27FC236}">
-                <a16:creationId xmlns:a16="http://schemas.microsoft.com/office/drawing/2014/main" id="{0B14EE15-AE0C-CBC7-B1A7-9612144273A5}"/>
+                <a16:creationId xmlns:a16="http://schemas.microsoft.com/office/drawing/2014/main" id="{84122026-056E-0BA0-8160-45B72044771D}"/>
               </a:ext>
             </a:extLst>
           </p:cNvPr>
@@ -3611,129 +3632,253 @@
           <a:lstStyle/>
           <a:p>
             <a:r>
-              <a:rPr lang="ko-KR" altLang="en-US" dirty="0"/>
-              <a:t>챕터</a:t>
-            </a:r>
-            <a:r>
               <a:rPr lang="en-US" altLang="ko-KR" dirty="0"/>
-              <a:t>1~3</a:t>
+              <a:t>1029, 1105, 1112</a:t>
             </a:r>
             <a:endParaRPr lang="ko-KR" altLang="en-US" dirty="0"/>
           </a:p>
         </p:txBody>
       </p:sp>
-      <p:sp>
-        <p:nvSpPr>
-          <p:cNvPr id="3" name="내용 개체 틀 2">
-            <a:extLst>
-              <a:ext uri="{FF2B5EF4-FFF2-40B4-BE49-F238E27FC236}">
-                <a16:creationId xmlns:a16="http://schemas.microsoft.com/office/drawing/2014/main" id="{E2EF9F60-B41B-D9F0-B1B6-16FD03C7CC58}"/>
-              </a:ext>
-            </a:extLst>
-          </p:cNvPr>
-          <p:cNvSpPr>
-            <a:spLocks noGrp="1"/>
-          </p:cNvSpPr>
+      <p:pic>
+        <p:nvPicPr>
+          <p:cNvPr id="5" name="내용 개체 틀 4">
+            <a:extLst>
+              <a:ext uri="{FF2B5EF4-FFF2-40B4-BE49-F238E27FC236}">
+                <a16:creationId xmlns:a16="http://schemas.microsoft.com/office/drawing/2014/main" id="{A2BD233E-5DF1-D75A-ECF0-F4A922D92D4F}"/>
+              </a:ext>
+            </a:extLst>
+          </p:cNvPr>
+          <p:cNvPicPr>
+            <a:picLocks noGrp="1" noChangeAspect="1"/>
+          </p:cNvPicPr>
           <p:nvPr>
             <p:ph idx="1"/>
           </p:nvPr>
-        </p:nvSpPr>
+        </p:nvPicPr>
+        <p:blipFill>
+          <a:blip r:embed="rId2"/>
+          <a:stretch>
+            <a:fillRect/>
+          </a:stretch>
+        </p:blipFill>
         <p:spPr>
           <a:xfrm>
-            <a:off x="838200" y="1825625"/>
-            <a:ext cx="10515600" cy="2294312"/>
+            <a:off x="269243" y="1520455"/>
+            <a:ext cx="3021096" cy="4551571"/>
           </a:xfrm>
         </p:spPr>
-        <p:txBody>
-          <a:bodyPr/>
-          <a:lstStyle/>
-          <a:p>
+      </p:pic>
+      <p:pic>
+        <p:nvPicPr>
+          <p:cNvPr id="7" name="그림 6">
+            <a:extLst>
+              <a:ext uri="{FF2B5EF4-FFF2-40B4-BE49-F238E27FC236}">
+                <a16:creationId xmlns:a16="http://schemas.microsoft.com/office/drawing/2014/main" id="{3A3F8EC8-A076-226E-3BDC-A0435647DDE4}"/>
+              </a:ext>
+            </a:extLst>
+          </p:cNvPr>
+          <p:cNvPicPr>
+            <a:picLocks noChangeAspect="1"/>
+          </p:cNvPicPr>
+          <p:nvPr/>
+        </p:nvPicPr>
+        <p:blipFill>
+          <a:blip r:embed="rId3"/>
+          <a:stretch>
+            <a:fillRect/>
+          </a:stretch>
+        </p:blipFill>
+        <p:spPr>
+          <a:xfrm>
+            <a:off x="3540788" y="1520455"/>
+            <a:ext cx="2917487" cy="3390592"/>
+          </a:xfrm>
+          <a:prstGeom prst="rect">
+            <a:avLst/>
+          </a:prstGeom>
+        </p:spPr>
+      </p:pic>
+      <p:sp>
+        <p:nvSpPr>
+          <p:cNvPr id="8" name="TextBox 7">
+            <a:extLst>
+              <a:ext uri="{FF2B5EF4-FFF2-40B4-BE49-F238E27FC236}">
+                <a16:creationId xmlns:a16="http://schemas.microsoft.com/office/drawing/2014/main" id="{C6CBB4FB-2570-B3E6-C8A9-2DD8015134EB}"/>
+              </a:ext>
+            </a:extLst>
+          </p:cNvPr>
+          <p:cNvSpPr txBox="1"/>
+          <p:nvPr/>
+        </p:nvSpPr>
+        <p:spPr>
+          <a:xfrm>
+            <a:off x="838200" y="6215865"/>
+            <a:ext cx="1935822" cy="369332"/>
+          </a:xfrm>
+          <a:prstGeom prst="rect">
+            <a:avLst/>
+          </a:prstGeom>
+          <a:noFill/>
+        </p:spPr>
+        <p:txBody>
+          <a:bodyPr wrap="square" rtlCol="0">
+            <a:spAutoFit/>
+          </a:bodyPr>
+          <a:lstStyle/>
+          <a:p>
+            <a:r>
+              <a:rPr lang="en-US" altLang="ko-KR" dirty="0"/>
+              <a:t>4</a:t>
+            </a:r>
             <a:r>
               <a:rPr lang="ko-KR" altLang="en-US" dirty="0"/>
-              <a:t>챕터 </a:t>
-            </a:r>
+              <a:t>일 늦음</a:t>
+            </a:r>
+          </a:p>
+        </p:txBody>
+      </p:sp>
+      <p:sp>
+        <p:nvSpPr>
+          <p:cNvPr id="9" name="TextBox 8">
+            <a:extLst>
+              <a:ext uri="{FF2B5EF4-FFF2-40B4-BE49-F238E27FC236}">
+                <a16:creationId xmlns:a16="http://schemas.microsoft.com/office/drawing/2014/main" id="{38125F11-0B59-090D-63A3-7A76E0DCCB38}"/>
+              </a:ext>
+            </a:extLst>
+          </p:cNvPr>
+          <p:cNvSpPr txBox="1"/>
+          <p:nvPr/>
+        </p:nvSpPr>
+        <p:spPr>
+          <a:xfrm>
+            <a:off x="4003120" y="5424755"/>
+            <a:ext cx="1216152" cy="369332"/>
+          </a:xfrm>
+          <a:prstGeom prst="rect">
+            <a:avLst/>
+          </a:prstGeom>
+          <a:noFill/>
+        </p:spPr>
+        <p:txBody>
+          <a:bodyPr wrap="square" rtlCol="0">
+            <a:spAutoFit/>
+          </a:bodyPr>
+          <a:lstStyle/>
+          <a:p>
             <a:r>
               <a:rPr lang="en-US" altLang="ko-KR" dirty="0"/>
-              <a:t>1~3</a:t>
+              <a:t>5</a:t>
             </a:r>
             <a:r>
               <a:rPr lang="ko-KR" altLang="en-US" dirty="0"/>
-              <a:t>에서 배우는 것은 태그가 </a:t>
-            </a:r>
-            <a:r>
-              <a:rPr lang="ko-KR" altLang="en-US" dirty="0" err="1"/>
-              <a:t>무었인지</a:t>
-            </a:r>
+              <a:t>일 늦음</a:t>
+            </a:r>
+          </a:p>
+        </p:txBody>
+      </p:sp>
+      <p:pic>
+        <p:nvPicPr>
+          <p:cNvPr id="11" name="그림 10">
+            <a:extLst>
+              <a:ext uri="{FF2B5EF4-FFF2-40B4-BE49-F238E27FC236}">
+                <a16:creationId xmlns:a16="http://schemas.microsoft.com/office/drawing/2014/main" id="{5B671F95-742B-D8DC-92BF-689CF59C7D17}"/>
+              </a:ext>
+            </a:extLst>
+          </p:cNvPr>
+          <p:cNvPicPr>
+            <a:picLocks noChangeAspect="1"/>
+          </p:cNvPicPr>
+          <p:nvPr/>
+        </p:nvPicPr>
+        <p:blipFill>
+          <a:blip r:embed="rId4"/>
+          <a:stretch>
+            <a:fillRect/>
+          </a:stretch>
+        </p:blipFill>
+        <p:spPr>
+          <a:xfrm>
+            <a:off x="9448567" y="1520455"/>
+            <a:ext cx="2590933" cy="3664138"/>
+          </a:xfrm>
+          <a:prstGeom prst="rect">
+            <a:avLst/>
+          </a:prstGeom>
+        </p:spPr>
+      </p:pic>
+      <p:pic>
+        <p:nvPicPr>
+          <p:cNvPr id="13" name="그림 12">
+            <a:extLst>
+              <a:ext uri="{FF2B5EF4-FFF2-40B4-BE49-F238E27FC236}">
+                <a16:creationId xmlns:a16="http://schemas.microsoft.com/office/drawing/2014/main" id="{94180C0E-D6BD-7A73-D32B-6A0BFD21123C}"/>
+              </a:ext>
+            </a:extLst>
+          </p:cNvPr>
+          <p:cNvPicPr>
+            <a:picLocks noChangeAspect="1"/>
+          </p:cNvPicPr>
+          <p:nvPr/>
+        </p:nvPicPr>
+        <p:blipFill>
+          <a:blip r:embed="rId5"/>
+          <a:stretch>
+            <a:fillRect/>
+          </a:stretch>
+        </p:blipFill>
+        <p:spPr>
+          <a:xfrm>
+            <a:off x="6599611" y="1558829"/>
+            <a:ext cx="2739598" cy="4191228"/>
+          </a:xfrm>
+          <a:prstGeom prst="rect">
+            <a:avLst/>
+          </a:prstGeom>
+        </p:spPr>
+      </p:pic>
+      <p:sp>
+        <p:nvSpPr>
+          <p:cNvPr id="14" name="TextBox 13">
+            <a:extLst>
+              <a:ext uri="{FF2B5EF4-FFF2-40B4-BE49-F238E27FC236}">
+                <a16:creationId xmlns:a16="http://schemas.microsoft.com/office/drawing/2014/main" id="{478C12B1-9AAA-EDA5-26D1-5F6A9A9624E7}"/>
+              </a:ext>
+            </a:extLst>
+          </p:cNvPr>
+          <p:cNvSpPr txBox="1"/>
+          <p:nvPr/>
+        </p:nvSpPr>
+        <p:spPr>
+          <a:xfrm>
+            <a:off x="9770724" y="5424755"/>
+            <a:ext cx="1935822" cy="369332"/>
+          </a:xfrm>
+          <a:prstGeom prst="rect">
+            <a:avLst/>
+          </a:prstGeom>
+          <a:noFill/>
+        </p:spPr>
+        <p:txBody>
+          <a:bodyPr wrap="square" rtlCol="0">
+            <a:spAutoFit/>
+          </a:bodyPr>
+          <a:lstStyle/>
+          <a:p>
             <a:r>
               <a:rPr lang="en-US" altLang="ko-KR" dirty="0"/>
-              <a:t>, </a:t>
+              <a:t>7</a:t>
             </a:r>
             <a:r>
               <a:rPr lang="ko-KR" altLang="en-US" dirty="0"/>
-              <a:t>기본문서를 </a:t>
-            </a:r>
-            <a:r>
-              <a:rPr lang="ko-KR" altLang="en-US" dirty="0" err="1"/>
-              <a:t>만들때</a:t>
-            </a:r>
-            <a:r>
-              <a:rPr lang="ko-KR" altLang="en-US" dirty="0"/>
-              <a:t> 어떤 태그가 사용되는지</a:t>
-            </a:r>
-            <a:r>
-              <a:rPr lang="en-US" altLang="ko-KR" dirty="0"/>
-              <a:t>,  </a:t>
-            </a:r>
-            <a:r>
-              <a:rPr lang="ko-KR" altLang="en-US" dirty="0"/>
-              <a:t>고급 문서를 </a:t>
-            </a:r>
-            <a:r>
-              <a:rPr lang="ko-KR" altLang="en-US" dirty="0" err="1"/>
-              <a:t>만들때</a:t>
-            </a:r>
-            <a:r>
-              <a:rPr lang="ko-KR" altLang="en-US" dirty="0"/>
-              <a:t> 어떤 태그가 사용되는지 등등</a:t>
-            </a:r>
-            <a:r>
-              <a:rPr lang="en-US" altLang="ko-KR" dirty="0"/>
-              <a:t>.</a:t>
-            </a:r>
-          </a:p>
-          <a:p>
-            <a:r>
-              <a:rPr lang="ko-KR" altLang="en-US" dirty="0"/>
-              <a:t>그리고</a:t>
-            </a:r>
-            <a:r>
-              <a:rPr lang="en-US" altLang="ko-KR" dirty="0"/>
-              <a:t> </a:t>
-            </a:r>
-            <a:r>
-              <a:rPr lang="ko-KR" altLang="en-US" dirty="0"/>
-              <a:t>문서의 구조를 학습하고</a:t>
-            </a:r>
-            <a:r>
-              <a:rPr lang="en-US" altLang="ko-KR" dirty="0"/>
-              <a:t>, </a:t>
-            </a:r>
-            <a:r>
-              <a:rPr lang="ko-KR" altLang="en-US" dirty="0"/>
-              <a:t>태그의 종류를 배우며 아주 간단한 문서를 제작하며 보냈습니다</a:t>
-            </a:r>
-            <a:r>
-              <a:rPr lang="en-US" altLang="ko-KR" dirty="0"/>
-              <a:t>.</a:t>
-            </a:r>
-            <a:endParaRPr lang="ko-KR" altLang="en-US" dirty="0"/>
+              <a:t>일 늦음</a:t>
+            </a:r>
           </a:p>
         </p:txBody>
       </p:sp>
     </p:spTree>
     <p:extLst>
       <p:ext uri="{BB962C8B-B14F-4D97-AF65-F5344CB8AC3E}">
-        <p14:creationId xmlns:p14="http://schemas.microsoft.com/office/powerpoint/2010/main" val="3567061538"/>
+        <p14:creationId xmlns:p14="http://schemas.microsoft.com/office/powerpoint/2010/main" val="259448207"/>
       </p:ext>
     </p:extLst>
   </p:cSld>
@@ -3765,7 +3910,7 @@
           <p:cNvPr id="2" name="제목 1">
             <a:extLst>
               <a:ext uri="{FF2B5EF4-FFF2-40B4-BE49-F238E27FC236}">
-                <a16:creationId xmlns:a16="http://schemas.microsoft.com/office/drawing/2014/main" id="{84122026-056E-0BA0-8160-45B72044771D}"/>
+                <a16:creationId xmlns:a16="http://schemas.microsoft.com/office/drawing/2014/main" id="{5370FEC2-041E-64AE-2345-FEA58A8A55A7}"/>
               </a:ext>
             </a:extLst>
           </p:cNvPr>
@@ -3782,106 +3927,77 @@
           <a:lstStyle/>
           <a:p>
             <a:r>
-              <a:rPr lang="ko-KR" altLang="en-US" dirty="0"/>
-              <a:t>챕터</a:t>
-            </a:r>
-            <a:r>
               <a:rPr lang="en-US" altLang="ko-KR" dirty="0"/>
-              <a:t>4~5</a:t>
+              <a:t>1126</a:t>
             </a:r>
             <a:endParaRPr lang="ko-KR" altLang="en-US" dirty="0"/>
           </a:p>
         </p:txBody>
       </p:sp>
-      <p:sp>
-        <p:nvSpPr>
-          <p:cNvPr id="3" name="내용 개체 틀 2">
-            <a:extLst>
-              <a:ext uri="{FF2B5EF4-FFF2-40B4-BE49-F238E27FC236}">
-                <a16:creationId xmlns:a16="http://schemas.microsoft.com/office/drawing/2014/main" id="{50DCDD06-57AD-53DF-06A0-FFFB91B6F9BE}"/>
-              </a:ext>
-            </a:extLst>
-          </p:cNvPr>
-          <p:cNvSpPr>
-            <a:spLocks noGrp="1"/>
-          </p:cNvSpPr>
-          <p:nvPr>
-            <p:ph idx="1"/>
-          </p:nvPr>
-        </p:nvSpPr>
-        <p:spPr/>
-        <p:txBody>
-          <a:bodyPr/>
-          <a:lstStyle/>
-          <a:p>
-            <a:r>
-              <a:rPr lang="ko-KR" altLang="en-US" dirty="0"/>
-              <a:t>챕터</a:t>
-            </a:r>
-            <a:r>
-              <a:rPr lang="en-US" altLang="ko-KR" dirty="0"/>
-              <a:t>4~5</a:t>
-            </a:r>
-            <a:r>
-              <a:rPr lang="ko-KR" altLang="en-US" dirty="0"/>
-              <a:t>는 스타일 시트인 </a:t>
-            </a:r>
-            <a:r>
-              <a:rPr lang="en-US" altLang="ko-KR" dirty="0"/>
-              <a:t>CSS</a:t>
-            </a:r>
-            <a:r>
-              <a:rPr lang="ko-KR" altLang="en-US" dirty="0"/>
-              <a:t>를 사용하며 배운다</a:t>
-            </a:r>
-            <a:r>
-              <a:rPr lang="en-US" altLang="ko-KR" dirty="0"/>
-              <a:t>.</a:t>
-            </a:r>
-          </a:p>
-          <a:p>
-            <a:r>
-              <a:rPr lang="ko-KR" altLang="en-US" dirty="0"/>
-              <a:t>스타일 시트는 말 그대로 스타일이기 때문에 웹 페이지를 꾸밀 수 있습니다</a:t>
-            </a:r>
-            <a:r>
-              <a:rPr lang="en-US" altLang="ko-KR" dirty="0"/>
-              <a:t>.</a:t>
-            </a:r>
-          </a:p>
-          <a:p>
-            <a:r>
-              <a:rPr lang="ko-KR" altLang="en-US" dirty="0"/>
-              <a:t>배경부터</a:t>
-            </a:r>
-            <a:r>
-              <a:rPr lang="en-US" altLang="ko-KR" dirty="0"/>
-              <a:t>, </a:t>
-            </a:r>
-            <a:r>
-              <a:rPr lang="ko-KR" altLang="en-US" dirty="0"/>
-              <a:t>글자 색</a:t>
-            </a:r>
-            <a:r>
-              <a:rPr lang="en-US" altLang="ko-KR" dirty="0"/>
-              <a:t>, </a:t>
-            </a:r>
-            <a:r>
-              <a:rPr lang="ko-KR" altLang="en-US" dirty="0"/>
-              <a:t>크기 등등 아주 많은 것 들을 변화 시킬 수 있습니다</a:t>
-            </a:r>
-            <a:r>
-              <a:rPr lang="en-US" altLang="ko-KR" dirty="0"/>
-              <a:t>.</a:t>
-            </a:r>
-            <a:endParaRPr lang="ko-KR" altLang="en-US" dirty="0"/>
-          </a:p>
-        </p:txBody>
-      </p:sp>
+      <p:pic>
+        <p:nvPicPr>
+          <p:cNvPr id="5" name="그림 4">
+            <a:extLst>
+              <a:ext uri="{FF2B5EF4-FFF2-40B4-BE49-F238E27FC236}">
+                <a16:creationId xmlns:a16="http://schemas.microsoft.com/office/drawing/2014/main" id="{19A72E19-3F34-0242-CAF1-8F0681945C5E}"/>
+              </a:ext>
+            </a:extLst>
+          </p:cNvPr>
+          <p:cNvPicPr>
+            <a:picLocks noChangeAspect="1"/>
+          </p:cNvPicPr>
+          <p:nvPr/>
+        </p:nvPicPr>
+        <p:blipFill>
+          <a:blip r:embed="rId2"/>
+          <a:stretch>
+            <a:fillRect/>
+          </a:stretch>
+        </p:blipFill>
+        <p:spPr>
+          <a:xfrm>
+            <a:off x="880652" y="1885870"/>
+            <a:ext cx="3033802" cy="3686069"/>
+          </a:xfrm>
+          <a:prstGeom prst="rect">
+            <a:avLst/>
+          </a:prstGeom>
+        </p:spPr>
+      </p:pic>
+      <p:pic>
+        <p:nvPicPr>
+          <p:cNvPr id="7" name="그림 6">
+            <a:extLst>
+              <a:ext uri="{FF2B5EF4-FFF2-40B4-BE49-F238E27FC236}">
+                <a16:creationId xmlns:a16="http://schemas.microsoft.com/office/drawing/2014/main" id="{D8AD0F1F-BAE1-6431-F74F-62D5E5252D87}"/>
+              </a:ext>
+            </a:extLst>
+          </p:cNvPr>
+          <p:cNvPicPr>
+            <a:picLocks noChangeAspect="1"/>
+          </p:cNvPicPr>
+          <p:nvPr/>
+        </p:nvPicPr>
+        <p:blipFill>
+          <a:blip r:embed="rId3"/>
+          <a:stretch>
+            <a:fillRect/>
+          </a:stretch>
+        </p:blipFill>
+        <p:spPr>
+          <a:xfrm>
+            <a:off x="788424" y="5495941"/>
+            <a:ext cx="2704732" cy="768390"/>
+          </a:xfrm>
+          <a:prstGeom prst="rect">
+            <a:avLst/>
+          </a:prstGeom>
+        </p:spPr>
+      </p:pic>
     </p:spTree>
     <p:extLst>
       <p:ext uri="{BB962C8B-B14F-4D97-AF65-F5344CB8AC3E}">
-        <p14:creationId xmlns:p14="http://schemas.microsoft.com/office/powerpoint/2010/main" val="259448207"/>
+        <p14:creationId xmlns:p14="http://schemas.microsoft.com/office/powerpoint/2010/main" val="1639391854"/>
       </p:ext>
     </p:extLst>
   </p:cSld>
@@ -3913,514 +4029,6 @@
           <p:cNvPr id="2" name="제목 1">
             <a:extLst>
               <a:ext uri="{FF2B5EF4-FFF2-40B4-BE49-F238E27FC236}">
-                <a16:creationId xmlns:a16="http://schemas.microsoft.com/office/drawing/2014/main" id="{5370FEC2-041E-64AE-2345-FEA58A8A55A7}"/>
-              </a:ext>
-            </a:extLst>
-          </p:cNvPr>
-          <p:cNvSpPr>
-            <a:spLocks noGrp="1"/>
-          </p:cNvSpPr>
-          <p:nvPr>
-            <p:ph type="title"/>
-          </p:nvPr>
-        </p:nvSpPr>
-        <p:spPr/>
-        <p:txBody>
-          <a:bodyPr/>
-          <a:lstStyle/>
-          <a:p>
-            <a:r>
-              <a:rPr lang="ko-KR" altLang="en-US" dirty="0"/>
-              <a:t>챕터</a:t>
-            </a:r>
-            <a:r>
-              <a:rPr lang="en-US" altLang="ko-KR" dirty="0"/>
-              <a:t>6~7</a:t>
-            </a:r>
-            <a:endParaRPr lang="ko-KR" altLang="en-US" dirty="0"/>
-          </a:p>
-        </p:txBody>
-      </p:sp>
-      <p:sp>
-        <p:nvSpPr>
-          <p:cNvPr id="3" name="내용 개체 틀 2">
-            <a:extLst>
-              <a:ext uri="{FF2B5EF4-FFF2-40B4-BE49-F238E27FC236}">
-                <a16:creationId xmlns:a16="http://schemas.microsoft.com/office/drawing/2014/main" id="{90E7402D-7F53-0095-5E61-A1D9090B303E}"/>
-              </a:ext>
-            </a:extLst>
-          </p:cNvPr>
-          <p:cNvSpPr>
-            <a:spLocks noGrp="1"/>
-          </p:cNvSpPr>
-          <p:nvPr>
-            <p:ph idx="1"/>
-          </p:nvPr>
-        </p:nvSpPr>
-        <p:spPr/>
-        <p:txBody>
-          <a:bodyPr/>
-          <a:lstStyle/>
-          <a:p>
-            <a:r>
-              <a:rPr lang="ko-KR" altLang="en-US" dirty="0"/>
-              <a:t>챕터</a:t>
-            </a:r>
-            <a:r>
-              <a:rPr lang="en-US" altLang="ko-KR" dirty="0"/>
-              <a:t>6~7</a:t>
-            </a:r>
-            <a:r>
-              <a:rPr lang="ko-KR" altLang="en-US" dirty="0"/>
-              <a:t>은 </a:t>
-            </a:r>
-            <a:r>
-              <a:rPr lang="en-US" altLang="ko-KR" dirty="0"/>
-              <a:t>JavaScript</a:t>
-            </a:r>
-            <a:r>
-              <a:rPr lang="ko-KR" altLang="en-US" dirty="0"/>
-              <a:t>가 처음 나오며 간단한 기초를 배우는 단계입니다</a:t>
-            </a:r>
-            <a:r>
-              <a:rPr lang="en-US" altLang="ko-KR" dirty="0"/>
-              <a:t>.</a:t>
-            </a:r>
-          </a:p>
-          <a:p>
-            <a:r>
-              <a:rPr lang="en-US" altLang="ko-KR" dirty="0"/>
-              <a:t>JavaScript</a:t>
-            </a:r>
-            <a:r>
-              <a:rPr lang="ko-KR" altLang="en-US" dirty="0"/>
-              <a:t>를 사용한 예를 들자면 </a:t>
-            </a:r>
-            <a:r>
-              <a:rPr lang="en-US" altLang="ko-KR" dirty="0"/>
-              <a:t>“</a:t>
-            </a:r>
-            <a:r>
-              <a:rPr lang="ko-KR" altLang="en-US" dirty="0"/>
-              <a:t>내가 </a:t>
-            </a:r>
-            <a:r>
-              <a:rPr lang="en-US" altLang="ko-KR" dirty="0"/>
-              <a:t>HTML</a:t>
-            </a:r>
-            <a:r>
-              <a:rPr lang="ko-KR" altLang="en-US" dirty="0"/>
-              <a:t>을 이용하여 계산기 외형은 만들었다</a:t>
-            </a:r>
-            <a:r>
-              <a:rPr lang="en-US" altLang="ko-KR" dirty="0"/>
-              <a:t>”</a:t>
-            </a:r>
-            <a:r>
-              <a:rPr lang="ko-KR" altLang="en-US" dirty="0"/>
-              <a:t>라고 하지만 내가 만든 계산기는 외형만 계산기 이고 실제로는 버튼을 눌러도 아무 일이 일어나지 않는다</a:t>
-            </a:r>
-            <a:r>
-              <a:rPr lang="en-US" altLang="ko-KR" dirty="0"/>
-              <a:t>.</a:t>
-            </a:r>
-          </a:p>
-          <a:p>
-            <a:r>
-              <a:rPr lang="en-US" altLang="ko-KR" dirty="0"/>
-              <a:t>JavaScript</a:t>
-            </a:r>
-            <a:r>
-              <a:rPr lang="ko-KR" altLang="en-US" dirty="0"/>
-              <a:t>를 이용하면 계산기의 계산기능을 만들어 넣어줄 수 있는 그러한 기능이다</a:t>
-            </a:r>
-            <a:r>
-              <a:rPr lang="en-US" altLang="ko-KR" dirty="0"/>
-              <a:t>.</a:t>
-            </a:r>
-            <a:endParaRPr lang="ko-KR" altLang="en-US" dirty="0"/>
-          </a:p>
-        </p:txBody>
-      </p:sp>
-    </p:spTree>
-    <p:extLst>
-      <p:ext uri="{BB962C8B-B14F-4D97-AF65-F5344CB8AC3E}">
-        <p14:creationId xmlns:p14="http://schemas.microsoft.com/office/powerpoint/2010/main" val="1639391854"/>
-      </p:ext>
-    </p:extLst>
-  </p:cSld>
-  <p:clrMapOvr>
-    <a:masterClrMapping/>
-  </p:clrMapOvr>
-</p:sld>
-</file>
-
-<file path=ppt/slides/slide6.xml><?xml version="1.0" encoding="utf-8"?>
-<p:sld xmlns:a="http://schemas.openxmlformats.org/drawingml/2006/main" xmlns:r="http://schemas.openxmlformats.org/officeDocument/2006/relationships" xmlns:p="http://schemas.openxmlformats.org/presentationml/2006/main">
-  <p:cSld>
-    <p:spTree>
-      <p:nvGrpSpPr>
-        <p:cNvPr id="1" name=""/>
-        <p:cNvGrpSpPr/>
-        <p:nvPr/>
-      </p:nvGrpSpPr>
-      <p:grpSpPr>
-        <a:xfrm>
-          <a:off x="0" y="0"/>
-          <a:ext cx="0" cy="0"/>
-          <a:chOff x="0" y="0"/>
-          <a:chExt cx="0" cy="0"/>
-        </a:xfrm>
-      </p:grpSpPr>
-      <p:sp>
-        <p:nvSpPr>
-          <p:cNvPr id="2" name="제목 1">
-            <a:extLst>
-              <a:ext uri="{FF2B5EF4-FFF2-40B4-BE49-F238E27FC236}">
-                <a16:creationId xmlns:a16="http://schemas.microsoft.com/office/drawing/2014/main" id="{9B0A74FC-68FA-59D7-F105-61565268547C}"/>
-              </a:ext>
-            </a:extLst>
-          </p:cNvPr>
-          <p:cNvSpPr>
-            <a:spLocks noGrp="1"/>
-          </p:cNvSpPr>
-          <p:nvPr>
-            <p:ph type="title"/>
-          </p:nvPr>
-        </p:nvSpPr>
-        <p:spPr/>
-        <p:txBody>
-          <a:bodyPr/>
-          <a:lstStyle/>
-          <a:p>
-            <a:r>
-              <a:rPr lang="ko-KR" altLang="en-US" dirty="0"/>
-              <a:t>챕터</a:t>
-            </a:r>
-            <a:r>
-              <a:rPr lang="en-US" altLang="ko-KR" dirty="0"/>
-              <a:t>8~14</a:t>
-            </a:r>
-            <a:endParaRPr lang="ko-KR" altLang="en-US" dirty="0"/>
-          </a:p>
-        </p:txBody>
-      </p:sp>
-      <p:sp>
-        <p:nvSpPr>
-          <p:cNvPr id="3" name="내용 개체 틀 2">
-            <a:extLst>
-              <a:ext uri="{FF2B5EF4-FFF2-40B4-BE49-F238E27FC236}">
-                <a16:creationId xmlns:a16="http://schemas.microsoft.com/office/drawing/2014/main" id="{E734241C-7C8F-319A-4D65-E991F504E434}"/>
-              </a:ext>
-            </a:extLst>
-          </p:cNvPr>
-          <p:cNvSpPr>
-            <a:spLocks noGrp="1"/>
-          </p:cNvSpPr>
-          <p:nvPr>
-            <p:ph idx="1"/>
-          </p:nvPr>
-        </p:nvSpPr>
-        <p:spPr/>
-        <p:txBody>
-          <a:bodyPr/>
-          <a:lstStyle/>
-          <a:p>
-            <a:r>
-              <a:rPr lang="ko-KR" altLang="en-US" dirty="0"/>
-              <a:t>앞의 </a:t>
-            </a:r>
-            <a:r>
-              <a:rPr lang="en-US" altLang="ko-KR" dirty="0"/>
-              <a:t>7</a:t>
-            </a:r>
-            <a:r>
-              <a:rPr lang="ko-KR" altLang="en-US" dirty="0"/>
-              <a:t>개의 챕터에서는 웹 프로그래밍의 기본을 배웠습니다</a:t>
-            </a:r>
-            <a:r>
-              <a:rPr lang="en-US" altLang="ko-KR" dirty="0"/>
-              <a:t>.</a:t>
-            </a:r>
-          </a:p>
-          <a:p>
-            <a:r>
-              <a:rPr lang="ko-KR" altLang="en-US" dirty="0"/>
-              <a:t>이후 </a:t>
-            </a:r>
-            <a:r>
-              <a:rPr lang="en-US" altLang="ko-KR" dirty="0"/>
-              <a:t>8~14</a:t>
-            </a:r>
-            <a:r>
-              <a:rPr lang="ko-KR" altLang="en-US" dirty="0"/>
-              <a:t>의 챕터 문제를 봤지만 다들 문제들이 상당히 어려웠습니다</a:t>
-            </a:r>
-            <a:r>
-              <a:rPr lang="en-US" altLang="ko-KR" dirty="0"/>
-              <a:t>.</a:t>
-            </a:r>
-          </a:p>
-          <a:p>
-            <a:r>
-              <a:rPr lang="ko-KR" altLang="en-US" dirty="0"/>
-              <a:t>함수</a:t>
-            </a:r>
-            <a:r>
-              <a:rPr lang="en-US" altLang="ko-KR" dirty="0"/>
-              <a:t>, </a:t>
-            </a:r>
-            <a:r>
-              <a:rPr lang="ko-KR" altLang="en-US" dirty="0"/>
-              <a:t>배열</a:t>
-            </a:r>
-            <a:r>
-              <a:rPr lang="en-US" altLang="ko-KR" dirty="0"/>
-              <a:t>, </a:t>
-            </a:r>
-            <a:r>
-              <a:rPr lang="ko-KR" altLang="en-US" dirty="0"/>
-              <a:t>이벤트</a:t>
-            </a:r>
-            <a:r>
-              <a:rPr lang="en-US" altLang="ko-KR" dirty="0"/>
-              <a:t>, </a:t>
-            </a:r>
-            <a:r>
-              <a:rPr lang="ko-KR" altLang="en-US" dirty="0"/>
-              <a:t>캔버스 등등 이러한 복잡한 것 들을 배우고 고민하고 풀어나가며 미래의 꿈이 조금 가까워 </a:t>
-            </a:r>
-            <a:r>
-              <a:rPr lang="ko-KR" altLang="en-US" dirty="0" err="1"/>
-              <a:t>진거같습니다</a:t>
-            </a:r>
-            <a:r>
-              <a:rPr lang="en-US" altLang="ko-KR" dirty="0"/>
-              <a:t>.</a:t>
-            </a:r>
-            <a:endParaRPr lang="ko-KR" altLang="en-US" dirty="0"/>
-          </a:p>
-        </p:txBody>
-      </p:sp>
-    </p:spTree>
-    <p:extLst>
-      <p:ext uri="{BB962C8B-B14F-4D97-AF65-F5344CB8AC3E}">
-        <p14:creationId xmlns:p14="http://schemas.microsoft.com/office/powerpoint/2010/main" val="3561243238"/>
-      </p:ext>
-    </p:extLst>
-  </p:cSld>
-  <p:clrMapOvr>
-    <a:masterClrMapping/>
-  </p:clrMapOvr>
-</p:sld>
-</file>
-
-<file path=ppt/slides/slide7.xml><?xml version="1.0" encoding="utf-8"?>
-<p:sld xmlns:a="http://schemas.openxmlformats.org/drawingml/2006/main" xmlns:r="http://schemas.openxmlformats.org/officeDocument/2006/relationships" xmlns:p="http://schemas.openxmlformats.org/presentationml/2006/main">
-  <p:cSld>
-    <p:spTree>
-      <p:nvGrpSpPr>
-        <p:cNvPr id="1" name=""/>
-        <p:cNvGrpSpPr/>
-        <p:nvPr/>
-      </p:nvGrpSpPr>
-      <p:grpSpPr>
-        <a:xfrm>
-          <a:off x="0" y="0"/>
-          <a:ext cx="0" cy="0"/>
-          <a:chOff x="0" y="0"/>
-          <a:chExt cx="0" cy="0"/>
-        </a:xfrm>
-      </p:grpSpPr>
-      <p:sp>
-        <p:nvSpPr>
-          <p:cNvPr id="2" name="제목 1">
-            <a:extLst>
-              <a:ext uri="{FF2B5EF4-FFF2-40B4-BE49-F238E27FC236}">
-                <a16:creationId xmlns:a16="http://schemas.microsoft.com/office/drawing/2014/main" id="{67D001A2-ED62-3303-F3D8-DDD3DC8142A7}"/>
-              </a:ext>
-            </a:extLst>
-          </p:cNvPr>
-          <p:cNvSpPr>
-            <a:spLocks noGrp="1"/>
-          </p:cNvSpPr>
-          <p:nvPr>
-            <p:ph type="title"/>
-          </p:nvPr>
-        </p:nvSpPr>
-        <p:spPr/>
-        <p:txBody>
-          <a:bodyPr/>
-          <a:lstStyle/>
-          <a:p>
-            <a:r>
-              <a:rPr lang="ko-KR" altLang="en-US" dirty="0"/>
-              <a:t>사진</a:t>
-            </a:r>
-            <a:r>
-              <a:rPr lang="en-US" altLang="ko-KR" dirty="0"/>
-              <a:t>1</a:t>
-            </a:r>
-            <a:endParaRPr lang="ko-KR" altLang="en-US" dirty="0"/>
-          </a:p>
-        </p:txBody>
-      </p:sp>
-      <p:pic>
-        <p:nvPicPr>
-          <p:cNvPr id="5" name="내용 개체 틀 4">
-            <a:extLst>
-              <a:ext uri="{FF2B5EF4-FFF2-40B4-BE49-F238E27FC236}">
-                <a16:creationId xmlns:a16="http://schemas.microsoft.com/office/drawing/2014/main" id="{66F3B699-4DDF-5DF4-8F68-1A5DEFD55F5E}"/>
-              </a:ext>
-            </a:extLst>
-          </p:cNvPr>
-          <p:cNvPicPr>
-            <a:picLocks noGrp="1" noChangeAspect="1"/>
-          </p:cNvPicPr>
-          <p:nvPr>
-            <p:ph idx="1"/>
-          </p:nvPr>
-        </p:nvPicPr>
-        <p:blipFill>
-          <a:blip r:embed="rId2"/>
-          <a:stretch>
-            <a:fillRect/>
-          </a:stretch>
-        </p:blipFill>
-        <p:spPr>
-          <a:xfrm>
-            <a:off x="838200" y="1914249"/>
-            <a:ext cx="10515600" cy="4174089"/>
-          </a:xfrm>
-        </p:spPr>
-      </p:pic>
-    </p:spTree>
-    <p:extLst>
-      <p:ext uri="{BB962C8B-B14F-4D97-AF65-F5344CB8AC3E}">
-        <p14:creationId xmlns:p14="http://schemas.microsoft.com/office/powerpoint/2010/main" val="1051474897"/>
-      </p:ext>
-    </p:extLst>
-  </p:cSld>
-  <p:clrMapOvr>
-    <a:masterClrMapping/>
-  </p:clrMapOvr>
-</p:sld>
-</file>
-
-<file path=ppt/slides/slide8.xml><?xml version="1.0" encoding="utf-8"?>
-<p:sld xmlns:a="http://schemas.openxmlformats.org/drawingml/2006/main" xmlns:r="http://schemas.openxmlformats.org/officeDocument/2006/relationships" xmlns:p="http://schemas.openxmlformats.org/presentationml/2006/main">
-  <p:cSld>
-    <p:spTree>
-      <p:nvGrpSpPr>
-        <p:cNvPr id="1" name=""/>
-        <p:cNvGrpSpPr/>
-        <p:nvPr/>
-      </p:nvGrpSpPr>
-      <p:grpSpPr>
-        <a:xfrm>
-          <a:off x="0" y="0"/>
-          <a:ext cx="0" cy="0"/>
-          <a:chOff x="0" y="0"/>
-          <a:chExt cx="0" cy="0"/>
-        </a:xfrm>
-      </p:grpSpPr>
-      <p:sp>
-        <p:nvSpPr>
-          <p:cNvPr id="2" name="제목 1">
-            <a:extLst>
-              <a:ext uri="{FF2B5EF4-FFF2-40B4-BE49-F238E27FC236}">
-                <a16:creationId xmlns:a16="http://schemas.microsoft.com/office/drawing/2014/main" id="{1B4929DC-B9E0-1A48-0E0B-F8DB1E2C6D63}"/>
-              </a:ext>
-            </a:extLst>
-          </p:cNvPr>
-          <p:cNvSpPr>
-            <a:spLocks noGrp="1"/>
-          </p:cNvSpPr>
-          <p:nvPr>
-            <p:ph type="title"/>
-          </p:nvPr>
-        </p:nvSpPr>
-        <p:spPr/>
-        <p:txBody>
-          <a:bodyPr/>
-          <a:lstStyle/>
-          <a:p>
-            <a:r>
-              <a:rPr lang="ko-KR" altLang="en-US" dirty="0"/>
-              <a:t>사진</a:t>
-            </a:r>
-            <a:r>
-              <a:rPr lang="en-US" altLang="ko-KR" dirty="0"/>
-              <a:t>2</a:t>
-            </a:r>
-            <a:endParaRPr lang="ko-KR" altLang="en-US" dirty="0"/>
-          </a:p>
-        </p:txBody>
-      </p:sp>
-      <p:pic>
-        <p:nvPicPr>
-          <p:cNvPr id="5" name="내용 개체 틀 4">
-            <a:extLst>
-              <a:ext uri="{FF2B5EF4-FFF2-40B4-BE49-F238E27FC236}">
-                <a16:creationId xmlns:a16="http://schemas.microsoft.com/office/drawing/2014/main" id="{B05382B8-3E8B-7961-A665-42D7940ED04E}"/>
-              </a:ext>
-            </a:extLst>
-          </p:cNvPr>
-          <p:cNvPicPr>
-            <a:picLocks noGrp="1" noChangeAspect="1"/>
-          </p:cNvPicPr>
-          <p:nvPr>
-            <p:ph idx="1"/>
-          </p:nvPr>
-        </p:nvPicPr>
-        <p:blipFill>
-          <a:blip r:embed="rId2"/>
-          <a:stretch>
-            <a:fillRect/>
-          </a:stretch>
-        </p:blipFill>
-        <p:spPr>
-          <a:xfrm>
-            <a:off x="970785" y="1825625"/>
-            <a:ext cx="10250429" cy="4351338"/>
-          </a:xfrm>
-        </p:spPr>
-      </p:pic>
-    </p:spTree>
-    <p:extLst>
-      <p:ext uri="{BB962C8B-B14F-4D97-AF65-F5344CB8AC3E}">
-        <p14:creationId xmlns:p14="http://schemas.microsoft.com/office/powerpoint/2010/main" val="3839948721"/>
-      </p:ext>
-    </p:extLst>
-  </p:cSld>
-  <p:clrMapOvr>
-    <a:masterClrMapping/>
-  </p:clrMapOvr>
-</p:sld>
-</file>
-
-<file path=ppt/slides/slide9.xml><?xml version="1.0" encoding="utf-8"?>
-<p:sld xmlns:a="http://schemas.openxmlformats.org/drawingml/2006/main" xmlns:r="http://schemas.openxmlformats.org/officeDocument/2006/relationships" xmlns:p="http://schemas.openxmlformats.org/presentationml/2006/main">
-  <p:cSld>
-    <p:spTree>
-      <p:nvGrpSpPr>
-        <p:cNvPr id="1" name=""/>
-        <p:cNvGrpSpPr/>
-        <p:nvPr/>
-      </p:nvGrpSpPr>
-      <p:grpSpPr>
-        <a:xfrm>
-          <a:off x="0" y="0"/>
-          <a:ext cx="0" cy="0"/>
-          <a:chOff x="0" y="0"/>
-          <a:chExt cx="0" cy="0"/>
-        </a:xfrm>
-      </p:grpSpPr>
-      <p:sp>
-        <p:nvSpPr>
-          <p:cNvPr id="2" name="제목 1">
-            <a:extLst>
-              <a:ext uri="{FF2B5EF4-FFF2-40B4-BE49-F238E27FC236}">
                 <a16:creationId xmlns:a16="http://schemas.microsoft.com/office/drawing/2014/main" id="{C7A3C7BE-2C6F-20D6-32A9-46B80C58C617}"/>
               </a:ext>
             </a:extLst>
@@ -4472,35 +4080,31 @@
           <a:p>
             <a:r>
               <a:rPr lang="ko-KR" altLang="en-US" dirty="0"/>
-              <a:t>저는 이번 학기동안 과제제출을 다했습니다</a:t>
+              <a:t>저는 이번 학기동안 과제제출을 다했지만 </a:t>
             </a:r>
             <a:r>
               <a:rPr lang="en-US" altLang="ko-KR" dirty="0"/>
-              <a:t>. </a:t>
+              <a:t>10</a:t>
             </a:r>
             <a:r>
               <a:rPr lang="ko-KR" altLang="en-US" dirty="0"/>
-              <a:t>하지만 </a:t>
+              <a:t>월</a:t>
             </a:r>
             <a:r>
               <a:rPr lang="en-US" altLang="ko-KR" dirty="0"/>
-              <a:t>node.js</a:t>
-            </a:r>
-            <a:r>
-              <a:rPr lang="ko-KR" altLang="en-US" dirty="0" err="1"/>
-              <a:t>피피티를</a:t>
+              <a:t>29</a:t>
             </a:r>
             <a:r>
               <a:rPr lang="ko-KR" altLang="en-US" dirty="0"/>
-              <a:t> 늦게 제출한 것이 </a:t>
-            </a:r>
-            <a:r>
-              <a:rPr lang="ko-KR" altLang="en-US" dirty="0" err="1"/>
-              <a:t>생각이나서</a:t>
+              <a:t>일 과제</a:t>
+            </a:r>
+            <a:r>
+              <a:rPr lang="en-US" altLang="ko-KR" dirty="0"/>
+              <a:t>, 11</a:t>
             </a:r>
             <a:r>
               <a:rPr lang="ko-KR" altLang="en-US" dirty="0"/>
-              <a:t> </a:t>
+              <a:t>월</a:t>
             </a:r>
             <a:r>
               <a:rPr lang="en-US" altLang="ko-KR" dirty="0"/>
@@ -4508,10 +4112,58 @@
             </a:r>
             <a:r>
               <a:rPr lang="ko-KR" altLang="en-US" dirty="0"/>
+              <a:t>일 과제</a:t>
+            </a:r>
+            <a:r>
+              <a:rPr lang="en-US" altLang="ko-KR" dirty="0"/>
+              <a:t>, 11</a:t>
+            </a:r>
+            <a:r>
+              <a:rPr lang="ko-KR" altLang="en-US" dirty="0"/>
+              <a:t>월</a:t>
+            </a:r>
+            <a:r>
+              <a:rPr lang="en-US" altLang="ko-KR" dirty="0"/>
+              <a:t>12</a:t>
+            </a:r>
+            <a:r>
+              <a:rPr lang="ko-KR" altLang="en-US" dirty="0"/>
+              <a:t>일 과제</a:t>
+            </a:r>
+            <a:r>
+              <a:rPr lang="en-US" altLang="ko-KR" dirty="0"/>
+              <a:t>, 11</a:t>
+            </a:r>
+            <a:r>
+              <a:rPr lang="ko-KR" altLang="en-US" dirty="0"/>
+              <a:t>월</a:t>
+            </a:r>
+            <a:r>
+              <a:rPr lang="en-US" altLang="ko-KR" dirty="0"/>
+              <a:t>26</a:t>
+            </a:r>
+            <a:r>
+              <a:rPr lang="ko-KR" altLang="en-US" dirty="0"/>
+              <a:t>일 과제 늦게 제출한 것</a:t>
+            </a:r>
+            <a:r>
+              <a:rPr lang="en-US" altLang="ko-KR" dirty="0"/>
+              <a:t>, README.md</a:t>
+            </a:r>
+            <a:r>
+              <a:rPr lang="ko-KR" altLang="en-US" dirty="0"/>
+              <a:t>를 빈약하게 만들어서 </a:t>
+            </a:r>
+            <a:r>
+              <a:rPr lang="en-US" altLang="ko-KR" dirty="0"/>
+              <a:t>5</a:t>
+            </a:r>
+            <a:r>
+              <a:rPr lang="ko-KR" altLang="en-US" dirty="0"/>
               <a:t>점을 감점하게 되었습니다</a:t>
             </a:r>
             <a:r>
-              <a:rPr lang="en-US" altLang="ko-KR"/>
+              <a:rPr lang="en-US" altLang="ko-KR" dirty="0"/>
               <a:t>.</a:t>
             </a:r>
             <a:endParaRPr lang="ko-KR" altLang="en-US" dirty="0"/>

--- a/웹 프로그래밍.pptx
+++ b/웹 프로그래밍.pptx
@@ -3994,6 +3994,76 @@
           </a:prstGeom>
         </p:spPr>
       </p:pic>
+      <p:pic>
+        <p:nvPicPr>
+          <p:cNvPr id="4" name="그림 3">
+            <a:extLst>
+              <a:ext uri="{FF2B5EF4-FFF2-40B4-BE49-F238E27FC236}">
+                <a16:creationId xmlns:a16="http://schemas.microsoft.com/office/drawing/2014/main" id="{22FCDD0A-827B-9408-630B-AC1FB1B9FB47}"/>
+              </a:ext>
+            </a:extLst>
+          </p:cNvPr>
+          <p:cNvPicPr>
+            <a:picLocks noChangeAspect="1"/>
+          </p:cNvPicPr>
+          <p:nvPr/>
+        </p:nvPicPr>
+        <p:blipFill>
+          <a:blip r:embed="rId4"/>
+          <a:stretch>
+            <a:fillRect/>
+          </a:stretch>
+        </p:blipFill>
+        <p:spPr>
+          <a:xfrm>
+            <a:off x="4784455" y="1885869"/>
+            <a:ext cx="3073035" cy="3686069"/>
+          </a:xfrm>
+          <a:prstGeom prst="rect">
+            <a:avLst/>
+          </a:prstGeom>
+        </p:spPr>
+      </p:pic>
+      <p:sp>
+        <p:nvSpPr>
+          <p:cNvPr id="6" name="TextBox 5">
+            <a:extLst>
+              <a:ext uri="{FF2B5EF4-FFF2-40B4-BE49-F238E27FC236}">
+                <a16:creationId xmlns:a16="http://schemas.microsoft.com/office/drawing/2014/main" id="{2C7E3778-0640-EF15-4D1E-A70E0932E5BF}"/>
+              </a:ext>
+            </a:extLst>
+          </p:cNvPr>
+          <p:cNvSpPr txBox="1"/>
+          <p:nvPr/>
+        </p:nvSpPr>
+        <p:spPr>
+          <a:xfrm>
+            <a:off x="5054887" y="5979561"/>
+            <a:ext cx="1941816" cy="369332"/>
+          </a:xfrm>
+          <a:prstGeom prst="rect">
+            <a:avLst/>
+          </a:prstGeom>
+          <a:noFill/>
+        </p:spPr>
+        <p:txBody>
+          <a:bodyPr wrap="square" rtlCol="0">
+            <a:spAutoFit/>
+          </a:bodyPr>
+          <a:lstStyle/>
+          <a:p>
+            <a:r>
+              <a:rPr lang="en-US" altLang="ko-KR" dirty="0"/>
+              <a:t>2</a:t>
+            </a:r>
+            <a:r>
+              <a:rPr lang="ko-KR" altLang="en-US" dirty="0" err="1"/>
+              <a:t>주늦음</a:t>
+            </a:r>
+            <a:endParaRPr lang="ko-KR" altLang="en-US" dirty="0"/>
+          </a:p>
+        </p:txBody>
+      </p:sp>
     </p:spTree>
     <p:extLst>
       <p:ext uri="{BB962C8B-B14F-4D97-AF65-F5344CB8AC3E}">
